--- a/ANALYSIS REPORT.pptx
+++ b/ANALYSIS REPORT.pptx
@@ -5,36 +5,35 @@
     <p:sldMasterId id="2147483666" r:id="rId4"/>
   </p:sldMasterIdLst>
   <p:notesMasterIdLst>
-    <p:notesMasterId r:id="rId29"/>
+    <p:notesMasterId r:id="rId28"/>
   </p:notesMasterIdLst>
   <p:handoutMasterIdLst>
-    <p:handoutMasterId r:id="rId30"/>
+    <p:handoutMasterId r:id="rId29"/>
   </p:handoutMasterIdLst>
   <p:sldIdLst>
     <p:sldId id="256" r:id="rId5"/>
     <p:sldId id="277" r:id="rId6"/>
-    <p:sldId id="261" r:id="rId7"/>
-    <p:sldId id="262" r:id="rId8"/>
-    <p:sldId id="289" r:id="rId9"/>
-    <p:sldId id="295" r:id="rId10"/>
-    <p:sldId id="296" r:id="rId11"/>
-    <p:sldId id="297" r:id="rId12"/>
-    <p:sldId id="298" r:id="rId13"/>
-    <p:sldId id="299" r:id="rId14"/>
-    <p:sldId id="300" r:id="rId15"/>
-    <p:sldId id="301" r:id="rId16"/>
-    <p:sldId id="264" r:id="rId17"/>
-    <p:sldId id="308" r:id="rId18"/>
-    <p:sldId id="309" r:id="rId19"/>
-    <p:sldId id="310" r:id="rId20"/>
-    <p:sldId id="307" r:id="rId21"/>
-    <p:sldId id="302" r:id="rId22"/>
-    <p:sldId id="303" r:id="rId23"/>
-    <p:sldId id="304" r:id="rId24"/>
-    <p:sldId id="305" r:id="rId25"/>
-    <p:sldId id="306" r:id="rId26"/>
-    <p:sldId id="311" r:id="rId27"/>
-    <p:sldId id="276" r:id="rId28"/>
+    <p:sldId id="262" r:id="rId7"/>
+    <p:sldId id="289" r:id="rId8"/>
+    <p:sldId id="295" r:id="rId9"/>
+    <p:sldId id="296" r:id="rId10"/>
+    <p:sldId id="297" r:id="rId11"/>
+    <p:sldId id="298" r:id="rId12"/>
+    <p:sldId id="299" r:id="rId13"/>
+    <p:sldId id="300" r:id="rId14"/>
+    <p:sldId id="301" r:id="rId15"/>
+    <p:sldId id="264" r:id="rId16"/>
+    <p:sldId id="308" r:id="rId17"/>
+    <p:sldId id="309" r:id="rId18"/>
+    <p:sldId id="310" r:id="rId19"/>
+    <p:sldId id="307" r:id="rId20"/>
+    <p:sldId id="302" r:id="rId21"/>
+    <p:sldId id="303" r:id="rId22"/>
+    <p:sldId id="304" r:id="rId23"/>
+    <p:sldId id="305" r:id="rId24"/>
+    <p:sldId id="306" r:id="rId25"/>
+    <p:sldId id="311" r:id="rId26"/>
+    <p:sldId id="276" r:id="rId27"/>
   </p:sldIdLst>
   <p:sldSz cx="12192000" cy="6858000"/>
   <p:notesSz cx="6858000" cy="9144000"/>
@@ -16062,141 +16061,6 @@
         <p:cNvPr id="1" name="">
           <a:extLst>
             <a:ext uri="{FF2B5EF4-FFF2-40B4-BE49-F238E27FC236}">
-              <a16:creationId xmlns:a16="http://schemas.microsoft.com/office/drawing/2014/main" id="{A2E52B3D-7AF6-8D6E-E3B0-54F715DB63A5}"/>
-            </a:ext>
-          </a:extLst>
-        </p:cNvPr>
-        <p:cNvGrpSpPr/>
-        <p:nvPr/>
-      </p:nvGrpSpPr>
-      <p:grpSpPr>
-        <a:xfrm>
-          <a:off x="0" y="0"/>
-          <a:ext cx="0" cy="0"/>
-          <a:chOff x="0" y="0"/>
-          <a:chExt cx="0" cy="0"/>
-        </a:xfrm>
-      </p:grpSpPr>
-      <p:sp>
-        <p:nvSpPr>
-          <p:cNvPr id="2" name="Title 1">
-            <a:extLst>
-              <a:ext uri="{FF2B5EF4-FFF2-40B4-BE49-F238E27FC236}">
-                <a16:creationId xmlns:a16="http://schemas.microsoft.com/office/drawing/2014/main" id="{5C54A8B9-900D-102A-3DF0-DC5B89DEEE30}"/>
-              </a:ext>
-            </a:extLst>
-          </p:cNvPr>
-          <p:cNvSpPr>
-            <a:spLocks noGrp="1"/>
-          </p:cNvSpPr>
-          <p:nvPr>
-            <p:ph type="title"/>
-          </p:nvPr>
-        </p:nvSpPr>
-        <p:spPr>
-          <a:xfrm>
-            <a:off x="843327" y="-320675"/>
-            <a:ext cx="10505345" cy="1325563"/>
-          </a:xfrm>
-        </p:spPr>
-        <p:txBody>
-          <a:bodyPr/>
-          <a:lstStyle/>
-          <a:p>
-            <a:pPr algn="ctr"/>
-            <a:r>
-              <a:rPr lang="en-US" dirty="0"/>
-              <a:t>Visualizations</a:t>
-            </a:r>
-          </a:p>
-        </p:txBody>
-      </p:sp>
-      <p:sp>
-        <p:nvSpPr>
-          <p:cNvPr id="22" name="Slide Number Placeholder 21">
-            <a:extLst>
-              <a:ext uri="{FF2B5EF4-FFF2-40B4-BE49-F238E27FC236}">
-                <a16:creationId xmlns:a16="http://schemas.microsoft.com/office/drawing/2014/main" id="{4C7DB5CA-35A9-7CFB-1F48-9836D95C6ED8}"/>
-              </a:ext>
-            </a:extLst>
-          </p:cNvPr>
-          <p:cNvSpPr>
-            <a:spLocks noGrp="1"/>
-          </p:cNvSpPr>
-          <p:nvPr>
-            <p:ph type="sldNum" sz="quarter" idx="22"/>
-          </p:nvPr>
-        </p:nvSpPr>
-        <p:spPr>
-          <a:xfrm>
-            <a:off x="10700656" y="6356350"/>
-            <a:ext cx="653143" cy="365125"/>
-          </a:xfrm>
-        </p:spPr>
-        <p:txBody>
-          <a:bodyPr/>
-          <a:lstStyle/>
-          <a:p>
-            <a:fld id="{B5CEABB6-07DC-46E8-9B57-56EC44A396E5}" type="slidenum">
-              <a:rPr lang="en-US" smtClean="0"/>
-              <a:pPr/>
-              <a:t>10</a:t>
-            </a:fld>
-            <a:endParaRPr lang="en-US" dirty="0"/>
-          </a:p>
-        </p:txBody>
-      </p:sp>
-      <p:pic>
-        <p:nvPicPr>
-          <p:cNvPr id="4" name="Picture 3">
-            <a:extLst>
-              <a:ext uri="{FF2B5EF4-FFF2-40B4-BE49-F238E27FC236}">
-                <a16:creationId xmlns:a16="http://schemas.microsoft.com/office/drawing/2014/main" id="{E60E41A1-649B-5523-7E40-059074662CED}"/>
-              </a:ext>
-            </a:extLst>
-          </p:cNvPr>
-          <p:cNvPicPr>
-            <a:picLocks noChangeAspect="1"/>
-          </p:cNvPicPr>
-          <p:nvPr/>
-        </p:nvPicPr>
-        <p:blipFill>
-          <a:blip r:embed="rId2"/>
-          <a:stretch>
-            <a:fillRect/>
-          </a:stretch>
-        </p:blipFill>
-        <p:spPr>
-          <a:xfrm>
-            <a:off x="1757615" y="1186087"/>
-            <a:ext cx="8676768" cy="4848000"/>
-          </a:xfrm>
-          <a:prstGeom prst="rect">
-            <a:avLst/>
-          </a:prstGeom>
-        </p:spPr>
-      </p:pic>
-    </p:spTree>
-    <p:extLst>
-      <p:ext uri="{BB962C8B-B14F-4D97-AF65-F5344CB8AC3E}">
-        <p14:creationId xmlns:p14="http://schemas.microsoft.com/office/powerpoint/2010/main" val="3402426677"/>
-      </p:ext>
-    </p:extLst>
-  </p:cSld>
-  <p:clrMapOvr>
-    <a:masterClrMapping/>
-  </p:clrMapOvr>
-</p:sld>
-</file>
-
-<file path=ppt/slides/slide11.xml><?xml version="1.0" encoding="utf-8"?>
-<p:sld xmlns:a="http://schemas.openxmlformats.org/drawingml/2006/main" xmlns:r="http://schemas.openxmlformats.org/officeDocument/2006/relationships" xmlns:p="http://schemas.openxmlformats.org/presentationml/2006/main">
-  <p:cSld>
-    <p:spTree>
-      <p:nvGrpSpPr>
-        <p:cNvPr id="1" name="">
-          <a:extLst>
-            <a:ext uri="{FF2B5EF4-FFF2-40B4-BE49-F238E27FC236}">
               <a16:creationId xmlns:a16="http://schemas.microsoft.com/office/drawing/2014/main" id="{3356D0A4-32CC-F51D-9B90-939FD1A32C6D}"/>
             </a:ext>
           </a:extLst>
@@ -16275,7 +16139,7 @@
             <a:fld id="{B5CEABB6-07DC-46E8-9B57-56EC44A396E5}" type="slidenum">
               <a:rPr lang="en-US" smtClean="0"/>
               <a:pPr/>
-              <a:t>11</a:t>
+              <a:t>10</a:t>
             </a:fld>
             <a:endParaRPr lang="en-US" dirty="0"/>
           </a:p>
@@ -16324,7 +16188,7 @@
 </p:sld>
 </file>
 
-<file path=ppt/slides/slide12.xml><?xml version="1.0" encoding="utf-8"?>
+<file path=ppt/slides/slide11.xml><?xml version="1.0" encoding="utf-8"?>
 <p:sld xmlns:a="http://schemas.openxmlformats.org/drawingml/2006/main" xmlns:r="http://schemas.openxmlformats.org/officeDocument/2006/relationships" xmlns:p="http://schemas.openxmlformats.org/presentationml/2006/main">
   <p:cSld>
     <p:spTree>
@@ -16410,7 +16274,7 @@
             <a:fld id="{B5CEABB6-07DC-46E8-9B57-56EC44A396E5}" type="slidenum">
               <a:rPr lang="en-US" smtClean="0"/>
               <a:pPr/>
-              <a:t>12</a:t>
+              <a:t>11</a:t>
             </a:fld>
             <a:endParaRPr lang="en-US" dirty="0"/>
           </a:p>
@@ -16459,7 +16323,7 @@
 </p:sld>
 </file>
 
-<file path=ppt/slides/slide13.xml><?xml version="1.0" encoding="utf-8"?>
+<file path=ppt/slides/slide12.xml><?xml version="1.0" encoding="utf-8"?>
 <p:sld xmlns:a="http://schemas.openxmlformats.org/drawingml/2006/main" xmlns:r="http://schemas.openxmlformats.org/officeDocument/2006/relationships" xmlns:p="http://schemas.openxmlformats.org/presentationml/2006/main">
   <p:cSld>
     <p:spTree>
@@ -16499,13 +16363,15 @@
           </a:xfrm>
         </p:spPr>
         <p:txBody>
-          <a:bodyPr/>
+          <a:bodyPr>
+            <a:normAutofit fontScale="90000"/>
+          </a:bodyPr>
           <a:lstStyle/>
           <a:p>
             <a:pPr algn="ctr"/>
             <a:r>
               <a:rPr lang="en-US" dirty="0"/>
-              <a:t>INTERPRETATION</a:t>
+              <a:t>INTERPRETATION &amp; ANALYSIS</a:t>
             </a:r>
           </a:p>
         </p:txBody>
@@ -16621,17 +16487,7 @@
                   <a:schemeClr val="tx1"/>
                 </a:solidFill>
               </a:rPr>
-              <a:t>The user visited country-specific domains (e.g., .ca, .co.uk, .in, etc.) and job boards in different regions — implying a willingness or curiosity about international opportunities or relocation.</a:t>
-            </a:r>
-          </a:p>
-          <a:p>
-            <a:r>
-              <a:rPr lang="en-US" sz="1600" noProof="1">
-                <a:solidFill>
-                  <a:schemeClr val="tx1"/>
-                </a:solidFill>
-              </a:rPr>
-              <a:t>Combined with geographically diverse browsing patterns, this shows a user who may be either:</a:t>
+              <a:t>The user’s visits to country-code domains (e.g., .ca, .co.uk, .in, etc.) and job boards from various nationalities — suggesting an interest or inquiry about foreign opportunities or moving abroad. Coupled with geographically dispersed surfing habits, this indicates a user who could be either:</a:t>
             </a:r>
           </a:p>
           <a:p>
@@ -16645,7 +16501,7 @@
                   <a:schemeClr val="tx1"/>
                 </a:solidFill>
               </a:rPr>
-              <a:t>Open to remote roles globally.</a:t>
+              <a:t>Open to remote roles globally</a:t>
             </a:r>
           </a:p>
           <a:p>
@@ -16659,7 +16515,7 @@
                   <a:schemeClr val="tx1"/>
                 </a:solidFill>
               </a:rPr>
-              <a:t>Actively exploring travel/emigration possibilities alongside job search.</a:t>
+              <a:t>Actively investigating travel/emigration options concurrent to job search.</a:t>
             </a:r>
           </a:p>
         </p:txBody>
@@ -16693,7 +16549,7 @@
             <a:fld id="{B5CEABB6-07DC-46E8-9B57-56EC44A396E5}" type="slidenum">
               <a:rPr lang="en-US" smtClean="0"/>
               <a:pPr/>
-              <a:t>13</a:t>
+              <a:t>12</a:t>
             </a:fld>
             <a:endParaRPr lang="en-US" dirty="0"/>
           </a:p>
@@ -16712,7 +16568,7 @@
 </p:sld>
 </file>
 
-<file path=ppt/slides/slide14.xml><?xml version="1.0" encoding="utf-8"?>
+<file path=ppt/slides/slide13.xml><?xml version="1.0" encoding="utf-8"?>
 <p:sld xmlns:a="http://schemas.openxmlformats.org/drawingml/2006/main" xmlns:r="http://schemas.openxmlformats.org/officeDocument/2006/relationships" xmlns:p="http://schemas.openxmlformats.org/presentationml/2006/main">
   <p:cSld>
     <p:spTree>
@@ -16758,13 +16614,15 @@
           </a:xfrm>
         </p:spPr>
         <p:txBody>
-          <a:bodyPr/>
+          <a:bodyPr>
+            <a:normAutofit fontScale="90000"/>
+          </a:bodyPr>
           <a:lstStyle/>
           <a:p>
             <a:pPr algn="ctr"/>
             <a:r>
               <a:rPr lang="en-US" dirty="0"/>
-              <a:t>INTERPRETATION</a:t>
+              <a:t>INTERPRETATION &amp; ANALYSIS</a:t>
             </a:r>
           </a:p>
         </p:txBody>
@@ -16803,7 +16661,7 @@
                   <a:schemeClr val="tx1"/>
                 </a:solidFill>
               </a:rPr>
-              <a:t>Browsing Activity by Hour of Day</a:t>
+              <a:t>Browsing Activity by Hour of Day:</a:t>
             </a:r>
           </a:p>
           <a:p>
@@ -16917,7 +16775,7 @@
             <a:fld id="{B5CEABB6-07DC-46E8-9B57-56EC44A396E5}" type="slidenum">
               <a:rPr lang="en-US" smtClean="0"/>
               <a:pPr/>
-              <a:t>14</a:t>
+              <a:t>13</a:t>
             </a:fld>
             <a:endParaRPr lang="en-US" dirty="0"/>
           </a:p>
@@ -16936,7 +16794,7 @@
 </p:sld>
 </file>
 
-<file path=ppt/slides/slide15.xml><?xml version="1.0" encoding="utf-8"?>
+<file path=ppt/slides/slide14.xml><?xml version="1.0" encoding="utf-8"?>
 <p:sld xmlns:a="http://schemas.openxmlformats.org/drawingml/2006/main" xmlns:r="http://schemas.openxmlformats.org/officeDocument/2006/relationships" xmlns:p="http://schemas.openxmlformats.org/presentationml/2006/main">
   <p:cSld>
     <p:spTree>
@@ -16982,13 +16840,15 @@
           </a:xfrm>
         </p:spPr>
         <p:txBody>
-          <a:bodyPr/>
+          <a:bodyPr>
+            <a:normAutofit fontScale="90000"/>
+          </a:bodyPr>
           <a:lstStyle/>
           <a:p>
             <a:pPr algn="ctr"/>
             <a:r>
               <a:rPr lang="en-US" dirty="0"/>
-              <a:t>INTERPRETATION</a:t>
+              <a:t>INTERPRETATION &amp; ANALYSIS</a:t>
             </a:r>
           </a:p>
         </p:txBody>
@@ -17070,6 +16930,20 @@
                 </a:solidFill>
               </a:rPr>
               <a:t>The browsing activity leans heavily toward productivity/job-related and utility websites.</a:t>
+            </a:r>
+          </a:p>
+          <a:p>
+            <a:pPr marL="285750" indent="-285750">
+              <a:buFont typeface="Arial" panose="020B0604020202020204" pitchFamily="34" charset="0"/>
+              <a:buChar char="•"/>
+            </a:pPr>
+            <a:r>
+              <a:rPr lang="en-US" sz="1600" noProof="1">
+                <a:solidFill>
+                  <a:schemeClr val="tx1"/>
+                </a:solidFill>
+              </a:rPr>
+              <a:t>The user’s work involves the use of Amazon’s DynamoDB tool, active during the usual work hours (9AM-6PM)</a:t>
             </a:r>
           </a:p>
           <a:p>
@@ -17090,16 +16964,6 @@
             </a:r>
           </a:p>
           <a:p>
-            <a:r>
-              <a:rPr lang="en-US" sz="1600" noProof="1">
-                <a:solidFill>
-                  <a:schemeClr val="tx1"/>
-                </a:solidFill>
-              </a:rPr>
-              <a:t>Peak activity:</a:t>
-            </a:r>
-          </a:p>
-          <a:p>
             <a:pPr marL="285750" indent="-285750">
               <a:buFont typeface="Arial" panose="020B0604020202020204" pitchFamily="34" charset="0"/>
               <a:buChar char="•"/>
@@ -17110,7 +16974,7 @@
                   <a:schemeClr val="tx1"/>
                 </a:solidFill>
               </a:rPr>
-              <a:t>Tuesday evenings (especially around 8–10 PM) are the most active.</a:t>
+              <a:t>Peak activity: Tuesday evenings (especially around 8–10 PM) are the most active.</a:t>
             </a:r>
           </a:p>
           <a:p>
@@ -17152,7 +17016,7 @@
                   <a:schemeClr val="tx1"/>
                 </a:solidFill>
               </a:rPr>
-              <a:t>User’s schedule seems flexible, with a mix of early and late sessions, and higher intensity mid-week. Sundays are somewhat active as well.</a:t>
+              <a:t>The user’s schedule seems flexible, with a mix of early and late sessions, and higher intensity mid-week. Sundays are somewhat active as well.</a:t>
             </a:r>
           </a:p>
         </p:txBody>
@@ -17186,7 +17050,7 @@
             <a:fld id="{B5CEABB6-07DC-46E8-9B57-56EC44A396E5}" type="slidenum">
               <a:rPr lang="en-US" smtClean="0"/>
               <a:pPr/>
-              <a:t>15</a:t>
+              <a:t>14</a:t>
             </a:fld>
             <a:endParaRPr lang="en-US" dirty="0"/>
           </a:p>
@@ -17205,7 +17069,7 @@
 </p:sld>
 </file>
 
-<file path=ppt/slides/slide16.xml><?xml version="1.0" encoding="utf-8"?>
+<file path=ppt/slides/slide15.xml><?xml version="1.0" encoding="utf-8"?>
 <p:sld xmlns:a="http://schemas.openxmlformats.org/drawingml/2006/main" xmlns:r="http://schemas.openxmlformats.org/officeDocument/2006/relationships" xmlns:p="http://schemas.openxmlformats.org/presentationml/2006/main">
   <p:cSld>
     <p:spTree>
@@ -17251,13 +17115,15 @@
           </a:xfrm>
         </p:spPr>
         <p:txBody>
-          <a:bodyPr/>
+          <a:bodyPr>
+            <a:normAutofit fontScale="90000"/>
+          </a:bodyPr>
           <a:lstStyle/>
           <a:p>
             <a:pPr algn="ctr"/>
             <a:r>
               <a:rPr lang="en-US" dirty="0"/>
-              <a:t>INTERPRETATION</a:t>
+              <a:t>INTERPRETATION &amp; ANALYSIS</a:t>
             </a:r>
           </a:p>
         </p:txBody>
@@ -17310,7 +17176,7 @@
                   <a:schemeClr val="tx1"/>
                 </a:solidFill>
               </a:rPr>
-              <a:t>The vast majority of browsing (~4000+) happens through link clicks, indicating the user mostly navigating by clicking links rather than typing URLs or bookmarks.</a:t>
+              <a:t>The majority of browsing (~4000+) happens through link clicks, indicating the user is mostly navigating by clicking links rather than typing URLs or bookmarks.</a:t>
             </a:r>
           </a:p>
           <a:p>
@@ -17445,7 +17311,7 @@
             <a:fld id="{B5CEABB6-07DC-46E8-9B57-56EC44A396E5}" type="slidenum">
               <a:rPr lang="en-US" smtClean="0"/>
               <a:pPr/>
-              <a:t>16</a:t>
+              <a:t>15</a:t>
             </a:fld>
             <a:endParaRPr lang="en-US" dirty="0"/>
           </a:p>
@@ -17464,7 +17330,7 @@
 </p:sld>
 </file>
 
-<file path=ppt/slides/slide17.xml><?xml version="1.0" encoding="utf-8"?>
+<file path=ppt/slides/slide16.xml><?xml version="1.0" encoding="utf-8"?>
 <p:sld xmlns:a="http://schemas.openxmlformats.org/drawingml/2006/main" xmlns:r="http://schemas.openxmlformats.org/officeDocument/2006/relationships" xmlns:p="http://schemas.openxmlformats.org/presentationml/2006/main">
   <p:cSld>
     <p:spTree>
@@ -17721,7 +17587,7 @@
             <a:fld id="{B5CEABB6-07DC-46E8-9B57-56EC44A396E5}" type="slidenum">
               <a:rPr lang="en-US" smtClean="0"/>
               <a:pPr/>
-              <a:t>17</a:t>
+              <a:t>16</a:t>
             </a:fld>
             <a:endParaRPr lang="en-US" dirty="0"/>
           </a:p>
@@ -17740,7 +17606,7 @@
 </p:sld>
 </file>
 
-<file path=ppt/slides/slide18.xml><?xml version="1.0" encoding="utf-8"?>
+<file path=ppt/slides/slide17.xml><?xml version="1.0" encoding="utf-8"?>
 <p:sld xmlns:a="http://schemas.openxmlformats.org/drawingml/2006/main" xmlns:r="http://schemas.openxmlformats.org/officeDocument/2006/relationships" xmlns:p="http://schemas.openxmlformats.org/presentationml/2006/main">
   <p:cSld>
     <p:spTree>
@@ -17826,7 +17692,7 @@
             <a:fld id="{B5CEABB6-07DC-46E8-9B57-56EC44A396E5}" type="slidenum">
               <a:rPr lang="en-US" smtClean="0"/>
               <a:pPr/>
-              <a:t>18</a:t>
+              <a:t>17</a:t>
             </a:fld>
             <a:endParaRPr lang="en-US" dirty="0"/>
           </a:p>
@@ -17875,7 +17741,7 @@
 </p:sld>
 </file>
 
-<file path=ppt/slides/slide19.xml><?xml version="1.0" encoding="utf-8"?>
+<file path=ppt/slides/slide18.xml><?xml version="1.0" encoding="utf-8"?>
 <p:sld xmlns:a="http://schemas.openxmlformats.org/drawingml/2006/main" xmlns:r="http://schemas.openxmlformats.org/officeDocument/2006/relationships" xmlns:p="http://schemas.openxmlformats.org/presentationml/2006/main">
   <p:cSld>
     <p:spTree>
@@ -17961,7 +17827,7 @@
             <a:fld id="{B5CEABB6-07DC-46E8-9B57-56EC44A396E5}" type="slidenum">
               <a:rPr lang="en-US" smtClean="0"/>
               <a:pPr/>
-              <a:t>19</a:t>
+              <a:t>18</a:t>
             </a:fld>
             <a:endParaRPr lang="en-US" dirty="0"/>
           </a:p>
@@ -18001,6 +17867,141 @@
     <p:extLst>
       <p:ext uri="{BB962C8B-B14F-4D97-AF65-F5344CB8AC3E}">
         <p14:creationId xmlns:p14="http://schemas.microsoft.com/office/powerpoint/2010/main" val="2972401295"/>
+      </p:ext>
+    </p:extLst>
+  </p:cSld>
+  <p:clrMapOvr>
+    <a:masterClrMapping/>
+  </p:clrMapOvr>
+</p:sld>
+</file>
+
+<file path=ppt/slides/slide19.xml><?xml version="1.0" encoding="utf-8"?>
+<p:sld xmlns:a="http://schemas.openxmlformats.org/drawingml/2006/main" xmlns:r="http://schemas.openxmlformats.org/officeDocument/2006/relationships" xmlns:p="http://schemas.openxmlformats.org/presentationml/2006/main">
+  <p:cSld>
+    <p:spTree>
+      <p:nvGrpSpPr>
+        <p:cNvPr id="1" name="">
+          <a:extLst>
+            <a:ext uri="{FF2B5EF4-FFF2-40B4-BE49-F238E27FC236}">
+              <a16:creationId xmlns:a16="http://schemas.microsoft.com/office/drawing/2014/main" id="{5452C9BF-5584-3EBF-2C35-819B03193FEF}"/>
+            </a:ext>
+          </a:extLst>
+        </p:cNvPr>
+        <p:cNvGrpSpPr/>
+        <p:nvPr/>
+      </p:nvGrpSpPr>
+      <p:grpSpPr>
+        <a:xfrm>
+          <a:off x="0" y="0"/>
+          <a:ext cx="0" cy="0"/>
+          <a:chOff x="0" y="0"/>
+          <a:chExt cx="0" cy="0"/>
+        </a:xfrm>
+      </p:grpSpPr>
+      <p:sp>
+        <p:nvSpPr>
+          <p:cNvPr id="2" name="Title 1">
+            <a:extLst>
+              <a:ext uri="{FF2B5EF4-FFF2-40B4-BE49-F238E27FC236}">
+                <a16:creationId xmlns:a16="http://schemas.microsoft.com/office/drawing/2014/main" id="{0446F2C7-73FB-9330-C432-8910B6212A7E}"/>
+              </a:ext>
+            </a:extLst>
+          </p:cNvPr>
+          <p:cNvSpPr>
+            <a:spLocks noGrp="1"/>
+          </p:cNvSpPr>
+          <p:nvPr>
+            <p:ph type="title"/>
+          </p:nvPr>
+        </p:nvSpPr>
+        <p:spPr>
+          <a:xfrm>
+            <a:off x="843327" y="-320675"/>
+            <a:ext cx="10505345" cy="1325563"/>
+          </a:xfrm>
+        </p:spPr>
+        <p:txBody>
+          <a:bodyPr/>
+          <a:lstStyle/>
+          <a:p>
+            <a:pPr algn="ctr"/>
+            <a:r>
+              <a:rPr lang="en-US" dirty="0"/>
+              <a:t>Visualizations</a:t>
+            </a:r>
+          </a:p>
+        </p:txBody>
+      </p:sp>
+      <p:sp>
+        <p:nvSpPr>
+          <p:cNvPr id="22" name="Slide Number Placeholder 21">
+            <a:extLst>
+              <a:ext uri="{FF2B5EF4-FFF2-40B4-BE49-F238E27FC236}">
+                <a16:creationId xmlns:a16="http://schemas.microsoft.com/office/drawing/2014/main" id="{D9988144-7C69-E0E2-D834-37AC87690BB6}"/>
+              </a:ext>
+            </a:extLst>
+          </p:cNvPr>
+          <p:cNvSpPr>
+            <a:spLocks noGrp="1"/>
+          </p:cNvSpPr>
+          <p:nvPr>
+            <p:ph type="sldNum" sz="quarter" idx="22"/>
+          </p:nvPr>
+        </p:nvSpPr>
+        <p:spPr>
+          <a:xfrm>
+            <a:off x="10700656" y="6356350"/>
+            <a:ext cx="653143" cy="365125"/>
+          </a:xfrm>
+        </p:spPr>
+        <p:txBody>
+          <a:bodyPr/>
+          <a:lstStyle/>
+          <a:p>
+            <a:fld id="{B5CEABB6-07DC-46E8-9B57-56EC44A396E5}" type="slidenum">
+              <a:rPr lang="en-US" smtClean="0"/>
+              <a:pPr/>
+              <a:t>19</a:t>
+            </a:fld>
+            <a:endParaRPr lang="en-US" dirty="0"/>
+          </a:p>
+        </p:txBody>
+      </p:sp>
+      <p:pic>
+        <p:nvPicPr>
+          <p:cNvPr id="5" name="Picture 4">
+            <a:extLst>
+              <a:ext uri="{FF2B5EF4-FFF2-40B4-BE49-F238E27FC236}">
+                <a16:creationId xmlns:a16="http://schemas.microsoft.com/office/drawing/2014/main" id="{0293AF3F-F0B8-DAB0-76B2-A9FCA9C7B792}"/>
+              </a:ext>
+            </a:extLst>
+          </p:cNvPr>
+          <p:cNvPicPr>
+            <a:picLocks noChangeAspect="1"/>
+          </p:cNvPicPr>
+          <p:nvPr/>
+        </p:nvPicPr>
+        <p:blipFill>
+          <a:blip r:embed="rId2"/>
+          <a:stretch>
+            <a:fillRect/>
+          </a:stretch>
+        </p:blipFill>
+        <p:spPr>
+          <a:xfrm>
+            <a:off x="1385886" y="1346994"/>
+            <a:ext cx="9420225" cy="4667250"/>
+          </a:xfrm>
+          <a:prstGeom prst="rect">
+            <a:avLst/>
+          </a:prstGeom>
+        </p:spPr>
+      </p:pic>
+    </p:spTree>
+    <p:extLst>
+      <p:ext uri="{BB962C8B-B14F-4D97-AF65-F5344CB8AC3E}">
+        <p14:creationId xmlns:p14="http://schemas.microsoft.com/office/powerpoint/2010/main" val="2101786304"/>
       </p:ext>
     </p:extLst>
   </p:cSld>
@@ -18171,141 +18172,6 @@
         <p:cNvPr id="1" name="">
           <a:extLst>
             <a:ext uri="{FF2B5EF4-FFF2-40B4-BE49-F238E27FC236}">
-              <a16:creationId xmlns:a16="http://schemas.microsoft.com/office/drawing/2014/main" id="{5452C9BF-5584-3EBF-2C35-819B03193FEF}"/>
-            </a:ext>
-          </a:extLst>
-        </p:cNvPr>
-        <p:cNvGrpSpPr/>
-        <p:nvPr/>
-      </p:nvGrpSpPr>
-      <p:grpSpPr>
-        <a:xfrm>
-          <a:off x="0" y="0"/>
-          <a:ext cx="0" cy="0"/>
-          <a:chOff x="0" y="0"/>
-          <a:chExt cx="0" cy="0"/>
-        </a:xfrm>
-      </p:grpSpPr>
-      <p:sp>
-        <p:nvSpPr>
-          <p:cNvPr id="2" name="Title 1">
-            <a:extLst>
-              <a:ext uri="{FF2B5EF4-FFF2-40B4-BE49-F238E27FC236}">
-                <a16:creationId xmlns:a16="http://schemas.microsoft.com/office/drawing/2014/main" id="{0446F2C7-73FB-9330-C432-8910B6212A7E}"/>
-              </a:ext>
-            </a:extLst>
-          </p:cNvPr>
-          <p:cNvSpPr>
-            <a:spLocks noGrp="1"/>
-          </p:cNvSpPr>
-          <p:nvPr>
-            <p:ph type="title"/>
-          </p:nvPr>
-        </p:nvSpPr>
-        <p:spPr>
-          <a:xfrm>
-            <a:off x="843327" y="-320675"/>
-            <a:ext cx="10505345" cy="1325563"/>
-          </a:xfrm>
-        </p:spPr>
-        <p:txBody>
-          <a:bodyPr/>
-          <a:lstStyle/>
-          <a:p>
-            <a:pPr algn="ctr"/>
-            <a:r>
-              <a:rPr lang="en-US" dirty="0"/>
-              <a:t>Visualizations</a:t>
-            </a:r>
-          </a:p>
-        </p:txBody>
-      </p:sp>
-      <p:sp>
-        <p:nvSpPr>
-          <p:cNvPr id="22" name="Slide Number Placeholder 21">
-            <a:extLst>
-              <a:ext uri="{FF2B5EF4-FFF2-40B4-BE49-F238E27FC236}">
-                <a16:creationId xmlns:a16="http://schemas.microsoft.com/office/drawing/2014/main" id="{D9988144-7C69-E0E2-D834-37AC87690BB6}"/>
-              </a:ext>
-            </a:extLst>
-          </p:cNvPr>
-          <p:cNvSpPr>
-            <a:spLocks noGrp="1"/>
-          </p:cNvSpPr>
-          <p:nvPr>
-            <p:ph type="sldNum" sz="quarter" idx="22"/>
-          </p:nvPr>
-        </p:nvSpPr>
-        <p:spPr>
-          <a:xfrm>
-            <a:off x="10700656" y="6356350"/>
-            <a:ext cx="653143" cy="365125"/>
-          </a:xfrm>
-        </p:spPr>
-        <p:txBody>
-          <a:bodyPr/>
-          <a:lstStyle/>
-          <a:p>
-            <a:fld id="{B5CEABB6-07DC-46E8-9B57-56EC44A396E5}" type="slidenum">
-              <a:rPr lang="en-US" smtClean="0"/>
-              <a:pPr/>
-              <a:t>20</a:t>
-            </a:fld>
-            <a:endParaRPr lang="en-US" dirty="0"/>
-          </a:p>
-        </p:txBody>
-      </p:sp>
-      <p:pic>
-        <p:nvPicPr>
-          <p:cNvPr id="5" name="Picture 4">
-            <a:extLst>
-              <a:ext uri="{FF2B5EF4-FFF2-40B4-BE49-F238E27FC236}">
-                <a16:creationId xmlns:a16="http://schemas.microsoft.com/office/drawing/2014/main" id="{0293AF3F-F0B8-DAB0-76B2-A9FCA9C7B792}"/>
-              </a:ext>
-            </a:extLst>
-          </p:cNvPr>
-          <p:cNvPicPr>
-            <a:picLocks noChangeAspect="1"/>
-          </p:cNvPicPr>
-          <p:nvPr/>
-        </p:nvPicPr>
-        <p:blipFill>
-          <a:blip r:embed="rId2"/>
-          <a:stretch>
-            <a:fillRect/>
-          </a:stretch>
-        </p:blipFill>
-        <p:spPr>
-          <a:xfrm>
-            <a:off x="1385886" y="1346994"/>
-            <a:ext cx="9420225" cy="4667250"/>
-          </a:xfrm>
-          <a:prstGeom prst="rect">
-            <a:avLst/>
-          </a:prstGeom>
-        </p:spPr>
-      </p:pic>
-    </p:spTree>
-    <p:extLst>
-      <p:ext uri="{BB962C8B-B14F-4D97-AF65-F5344CB8AC3E}">
-        <p14:creationId xmlns:p14="http://schemas.microsoft.com/office/powerpoint/2010/main" val="2101786304"/>
-      </p:ext>
-    </p:extLst>
-  </p:cSld>
-  <p:clrMapOvr>
-    <a:masterClrMapping/>
-  </p:clrMapOvr>
-</p:sld>
-</file>
-
-<file path=ppt/slides/slide21.xml><?xml version="1.0" encoding="utf-8"?>
-<p:sld xmlns:a="http://schemas.openxmlformats.org/drawingml/2006/main" xmlns:r="http://schemas.openxmlformats.org/officeDocument/2006/relationships" xmlns:p="http://schemas.openxmlformats.org/presentationml/2006/main">
-  <p:cSld>
-    <p:spTree>
-      <p:nvGrpSpPr>
-        <p:cNvPr id="1" name="">
-          <a:extLst>
-            <a:ext uri="{FF2B5EF4-FFF2-40B4-BE49-F238E27FC236}">
               <a16:creationId xmlns:a16="http://schemas.microsoft.com/office/drawing/2014/main" id="{351454A7-8342-35E9-E5B1-24A6315D1337}"/>
             </a:ext>
           </a:extLst>
@@ -18384,7 +18250,7 @@
             <a:fld id="{B5CEABB6-07DC-46E8-9B57-56EC44A396E5}" type="slidenum">
               <a:rPr lang="en-US" smtClean="0"/>
               <a:pPr/>
-              <a:t>21</a:t>
+              <a:t>20</a:t>
             </a:fld>
             <a:endParaRPr lang="en-US" dirty="0"/>
           </a:p>
@@ -18433,7 +18299,7 @@
 </p:sld>
 </file>
 
-<file path=ppt/slides/slide22.xml><?xml version="1.0" encoding="utf-8"?>
+<file path=ppt/slides/slide21.xml><?xml version="1.0" encoding="utf-8"?>
 <p:sld xmlns:a="http://schemas.openxmlformats.org/drawingml/2006/main" xmlns:r="http://schemas.openxmlformats.org/officeDocument/2006/relationships" xmlns:p="http://schemas.openxmlformats.org/presentationml/2006/main">
   <p:cSld>
     <p:spTree>
@@ -18519,7 +18385,7 @@
             <a:fld id="{B5CEABB6-07DC-46E8-9B57-56EC44A396E5}" type="slidenum">
               <a:rPr lang="en-US" smtClean="0"/>
               <a:pPr/>
-              <a:t>22</a:t>
+              <a:t>21</a:t>
             </a:fld>
             <a:endParaRPr lang="en-US" dirty="0"/>
           </a:p>
@@ -18568,7 +18434,7 @@
 </p:sld>
 </file>
 
-<file path=ppt/slides/slide23.xml><?xml version="1.0" encoding="utf-8"?>
+<file path=ppt/slides/slide22.xml><?xml version="1.0" encoding="utf-8"?>
 <p:sld xmlns:a="http://schemas.openxmlformats.org/drawingml/2006/main" xmlns:r="http://schemas.openxmlformats.org/officeDocument/2006/relationships" xmlns:p="http://schemas.openxmlformats.org/presentationml/2006/main">
   <p:cSld>
     <p:spTree>
@@ -18654,127 +18520,22 @@
           <a:lstStyle/>
           <a:p>
             <a:r>
-              <a:rPr lang="en-US" sz="1600" noProof="1">
+              <a:rPr lang="en-US" sz="1800" noProof="1">
                 <a:solidFill>
                   <a:schemeClr val="tx1"/>
                 </a:solidFill>
               </a:rPr>
-              <a:t>Distribution of Transition Types</a:t>
-            </a:r>
-          </a:p>
-          <a:p>
-            <a:pPr marL="285750" indent="-285750">
-              <a:buFont typeface="Arial" panose="020B0604020202020204" pitchFamily="34" charset="0"/>
-              <a:buChar char="•"/>
-            </a:pPr>
-            <a:r>
-              <a:rPr lang="en-US" sz="1600" noProof="1">
+              <a:t>The user seems to be engaged in an early to mid-level QA tester or software testing-related position, as seen through repeated visits to pages and tools about QA testing, bug tracking, browser extensions, and documentation. Their interest in QA tester job listings and skill-related pages also supports this observation. , the user seems particularly interested in the QA Tester role based in the Phillippines.</a:t>
+            </a:r>
+          </a:p>
+          <a:p>
+            <a:r>
+              <a:rPr lang="en-US" sz="1800" noProof="1">
                 <a:solidFill>
                   <a:schemeClr val="tx1"/>
                 </a:solidFill>
               </a:rPr>
-              <a:t>The vast majority of browsing (~4000+) happens through link clicks, indicating the user mostly navigating by clicking links rather than typing URLs or bookmarks.</a:t>
-            </a:r>
-          </a:p>
-          <a:p>
-            <a:pPr marL="285750" indent="-285750">
-              <a:buFont typeface="Arial" panose="020B0604020202020204" pitchFamily="34" charset="0"/>
-              <a:buChar char="•"/>
-            </a:pPr>
-            <a:r>
-              <a:rPr lang="en-US" sz="1600" noProof="1">
-                <a:solidFill>
-                  <a:schemeClr val="tx1"/>
-                </a:solidFill>
-              </a:rPr>
-              <a:t>Other transitions like reload, generated, and form_submit are also present in smaller volumes.</a:t>
-            </a:r>
-          </a:p>
-          <a:p>
-            <a:pPr marL="285750" indent="-285750">
-              <a:buFont typeface="Arial" panose="020B0604020202020204" pitchFamily="34" charset="0"/>
-              <a:buChar char="•"/>
-            </a:pPr>
-            <a:r>
-              <a:rPr lang="en-US" sz="1600" noProof="1">
-                <a:solidFill>
-                  <a:schemeClr val="tx1"/>
-                </a:solidFill>
-              </a:rPr>
-              <a:t>This suggests a typical passive browsing behavior, often following links rather than initiating direct navigation.</a:t>
-            </a:r>
-          </a:p>
-          <a:p>
-            <a:endParaRPr lang="en-US" sz="1600" noProof="1">
-              <a:solidFill>
-                <a:schemeClr val="tx1"/>
-              </a:solidFill>
-            </a:endParaRPr>
-          </a:p>
-          <a:p>
-            <a:r>
-              <a:rPr lang="en-US" sz="1600" noProof="1">
-                <a:solidFill>
-                  <a:schemeClr val="tx1"/>
-                </a:solidFill>
-              </a:rPr>
-              <a:t>Top 10 Page Titles Visited</a:t>
-            </a:r>
-          </a:p>
-          <a:p>
-            <a:pPr marL="285750" indent="-285750">
-              <a:buFont typeface="Arial" panose="020B0604020202020204" pitchFamily="34" charset="0"/>
-              <a:buChar char="•"/>
-            </a:pPr>
-            <a:r>
-              <a:rPr lang="en-US" sz="1600" noProof="1">
-                <a:solidFill>
-                  <a:schemeClr val="tx1"/>
-                </a:solidFill>
-              </a:rPr>
-              <a:t>The Messages page tops the list, followed by:</a:t>
-            </a:r>
-          </a:p>
-          <a:p>
-            <a:pPr marL="285750" indent="-285750">
-              <a:buFont typeface="Arial" panose="020B0604020202020204" pitchFamily="34" charset="0"/>
-              <a:buChar char="•"/>
-            </a:pPr>
-            <a:r>
-              <a:rPr lang="en-US" sz="1600" noProof="1">
-                <a:solidFill>
-                  <a:schemeClr val="tx1"/>
-                </a:solidFill>
-              </a:rPr>
-              <a:t>Google Flights and job descriptions (e.g., Android QA Tester).</a:t>
-            </a:r>
-          </a:p>
-          <a:p>
-            <a:pPr marL="285750" indent="-285750">
-              <a:buFont typeface="Arial" panose="020B0604020202020204" pitchFamily="34" charset="0"/>
-              <a:buChar char="•"/>
-            </a:pPr>
-            <a:r>
-              <a:rPr lang="en-US" sz="1600" noProof="1">
-                <a:solidFill>
-                  <a:schemeClr val="tx1"/>
-                </a:solidFill>
-              </a:rPr>
-              <a:t>DynamoDB Console, LoopNet, and Google Accounts login.</a:t>
-            </a:r>
-          </a:p>
-          <a:p>
-            <a:pPr marL="285750" indent="-285750">
-              <a:buFont typeface="Arial" panose="020B0604020202020204" pitchFamily="34" charset="0"/>
-              <a:buChar char="•"/>
-            </a:pPr>
-            <a:r>
-              <a:rPr lang="en-US" sz="1600" noProof="1">
-                <a:solidFill>
-                  <a:schemeClr val="tx1"/>
-                </a:solidFill>
-              </a:rPr>
-              <a:t>User activity suggests active job or project searching, possibly travel planning, and interaction with cloud tools like AWS DynamoDB.</a:t>
+              <a:t>Their browsing activity is largely focused within regular working hours (9 AM to 6 PM) on weekdays, which involved the use of AWS DynamoDB tool, with a peak in the middle of the week, corresponding to regular professional work habits. Session durations are mixed, since not much difference can be seen between session analysis and overall analysis, yet most are brief, indicating goal-directed activity or focused tasks. A couple of extended sessions may point to deep work or research activity. There is evidence of travel planning to Tokyo and California, or curiosity, possibly overseas, with repeated visits to travel websites and travel content. This could mean future personal or business travel or an interest in moving.</a:t>
             </a:r>
           </a:p>
         </p:txBody>
@@ -18808,7 +18569,7 @@
             <a:fld id="{B5CEABB6-07DC-46E8-9B57-56EC44A396E5}" type="slidenum">
               <a:rPr lang="en-US" smtClean="0"/>
               <a:pPr/>
-              <a:t>23</a:t>
+              <a:t>22</a:t>
             </a:fld>
             <a:endParaRPr lang="en-US" dirty="0"/>
           </a:p>
@@ -18827,7 +18588,7 @@
 </p:sld>
 </file>
 
-<file path=ppt/slides/slide24.xml><?xml version="1.0" encoding="utf-8"?>
+<file path=ppt/slides/slide23.xml><?xml version="1.0" encoding="utf-8"?>
 <p:sld xmlns:a="http://schemas.openxmlformats.org/drawingml/2006/main" xmlns:r="http://schemas.openxmlformats.org/officeDocument/2006/relationships" xmlns:p="http://schemas.openxmlformats.org/presentationml/2006/main">
   <p:cSld>
     <p:spTree>
@@ -18907,7 +18668,7 @@
             <a:fld id="{B5CEABB6-07DC-46E8-9B57-56EC44A396E5}" type="slidenum">
               <a:rPr lang="en-US" smtClean="0"/>
               <a:pPr/>
-              <a:t>24</a:t>
+              <a:t>23</a:t>
             </a:fld>
             <a:endParaRPr lang="en-US" dirty="0"/>
           </a:p>
@@ -18951,7 +18712,7 @@
           <p:cNvPr id="2" name="Title 1">
             <a:extLst>
               <a:ext uri="{FF2B5EF4-FFF2-40B4-BE49-F238E27FC236}">
-                <a16:creationId xmlns:a16="http://schemas.microsoft.com/office/drawing/2014/main" id="{67708C79-A4AC-4B5D-92DF-600737E4D11A}"/>
+                <a16:creationId xmlns:a16="http://schemas.microsoft.com/office/drawing/2014/main" id="{75031FE9-9059-4FE8-B4AC-9771F23A1B89}"/>
               </a:ext>
             </a:extLst>
           </p:cNvPr>
@@ -18964,8 +18725,8 @@
         </p:nvSpPr>
         <p:spPr>
           <a:xfrm>
-            <a:off x="838200" y="5509419"/>
-            <a:ext cx="4082142" cy="585788"/>
+            <a:off x="1843271" y="136525"/>
+            <a:ext cx="8421688" cy="1325563"/>
           </a:xfrm>
         </p:spPr>
         <p:txBody>
@@ -18974,309 +18735,31 @@
           <a:p>
             <a:r>
               <a:rPr lang="en-US" dirty="0"/>
-              <a:t>PROBLEM</a:t>
-            </a:r>
-          </a:p>
-        </p:txBody>
-      </p:sp>
-      <p:sp>
-        <p:nvSpPr>
-          <p:cNvPr id="3" name="Content Placeholder 2">
-            <a:extLst>
-              <a:ext uri="{FF2B5EF4-FFF2-40B4-BE49-F238E27FC236}">
-                <a16:creationId xmlns:a16="http://schemas.microsoft.com/office/drawing/2014/main" id="{7D779DE4-CAEA-4617-897E-FEC9A2AC2D6A}"/>
-              </a:ext>
-            </a:extLst>
-          </p:cNvPr>
-          <p:cNvSpPr>
-            <a:spLocks noGrp="1"/>
-          </p:cNvSpPr>
-          <p:nvPr>
-            <p:ph type="body" sz="quarter" idx="13"/>
-          </p:nvPr>
-        </p:nvSpPr>
-        <p:spPr>
-          <a:xfrm>
-            <a:off x="148318" y="1481138"/>
-            <a:ext cx="2141764" cy="514350"/>
-          </a:xfrm>
-        </p:spPr>
-        <p:txBody>
-          <a:bodyPr vert="horz" lIns="91440" tIns="45720" rIns="91440" bIns="45720" rtlCol="0" anchor="ctr">
-            <a:normAutofit/>
-          </a:bodyPr>
-          <a:lstStyle/>
-          <a:p>
-            <a:r>
-              <a:rPr lang="en-US" dirty="0"/>
-              <a:t>MARKET GAP</a:t>
-            </a:r>
-          </a:p>
-        </p:txBody>
-      </p:sp>
-      <p:sp>
-        <p:nvSpPr>
-          <p:cNvPr id="4" name="Text Placeholder 3">
-            <a:extLst>
-              <a:ext uri="{FF2B5EF4-FFF2-40B4-BE49-F238E27FC236}">
-                <a16:creationId xmlns:a16="http://schemas.microsoft.com/office/drawing/2014/main" id="{F5FF1291-56EB-4A7B-A198-1D91F9ECC5D3}"/>
-              </a:ext>
-            </a:extLst>
-          </p:cNvPr>
-          <p:cNvSpPr>
-            <a:spLocks noGrp="1"/>
-          </p:cNvSpPr>
-          <p:nvPr>
-            <p:ph type="body" sz="quarter" idx="14"/>
-          </p:nvPr>
-        </p:nvSpPr>
-        <p:spPr>
-          <a:xfrm>
-            <a:off x="714375" y="2557463"/>
-            <a:ext cx="2141764" cy="514350"/>
-          </a:xfrm>
-        </p:spPr>
-        <p:txBody>
-          <a:bodyPr/>
-          <a:lstStyle/>
-          <a:p>
-            <a:r>
-              <a:rPr lang="en-US" dirty="0"/>
-              <a:t>CUSTOMERS</a:t>
-            </a:r>
-          </a:p>
-        </p:txBody>
-      </p:sp>
-      <p:sp>
-        <p:nvSpPr>
-          <p:cNvPr id="5" name="Text Placeholder 4">
-            <a:extLst>
-              <a:ext uri="{FF2B5EF4-FFF2-40B4-BE49-F238E27FC236}">
-                <a16:creationId xmlns:a16="http://schemas.microsoft.com/office/drawing/2014/main" id="{6184E21C-7534-4FB5-9709-F7D1A11034F3}"/>
-              </a:ext>
-            </a:extLst>
-          </p:cNvPr>
-          <p:cNvSpPr>
-            <a:spLocks noGrp="1"/>
-          </p:cNvSpPr>
-          <p:nvPr>
-            <p:ph type="body" sz="quarter" idx="15"/>
-          </p:nvPr>
-        </p:nvSpPr>
-        <p:spPr>
-          <a:xfrm>
-            <a:off x="1320800" y="3633788"/>
-            <a:ext cx="2141764" cy="514350"/>
-          </a:xfrm>
-        </p:spPr>
-        <p:txBody>
-          <a:bodyPr/>
-          <a:lstStyle/>
-          <a:p>
-            <a:r>
-              <a:rPr lang="en-US" dirty="0"/>
-              <a:t>FINANCIALS</a:t>
-            </a:r>
-          </a:p>
-        </p:txBody>
-      </p:sp>
-      <p:sp>
-        <p:nvSpPr>
-          <p:cNvPr id="6" name="Text Placeholder 5">
-            <a:extLst>
-              <a:ext uri="{FF2B5EF4-FFF2-40B4-BE49-F238E27FC236}">
-                <a16:creationId xmlns:a16="http://schemas.microsoft.com/office/drawing/2014/main" id="{5C594564-4FC6-401A-8586-44735EE819EC}"/>
-              </a:ext>
-            </a:extLst>
-          </p:cNvPr>
-          <p:cNvSpPr>
-            <a:spLocks noGrp="1"/>
-          </p:cNvSpPr>
-          <p:nvPr>
-            <p:ph type="body" sz="quarter" idx="16"/>
-          </p:nvPr>
-        </p:nvSpPr>
-        <p:spPr>
-          <a:xfrm>
-            <a:off x="1905000" y="4710114"/>
-            <a:ext cx="2141764" cy="514350"/>
-          </a:xfrm>
-        </p:spPr>
-        <p:txBody>
-          <a:bodyPr/>
-          <a:lstStyle/>
-          <a:p>
-            <a:r>
-              <a:rPr lang="en-US" dirty="0"/>
-              <a:t>COSTS</a:t>
-            </a:r>
-          </a:p>
-        </p:txBody>
-      </p:sp>
-      <p:sp>
-        <p:nvSpPr>
-          <p:cNvPr id="7" name="Text Placeholder 6">
-            <a:extLst>
-              <a:ext uri="{FF2B5EF4-FFF2-40B4-BE49-F238E27FC236}">
-                <a16:creationId xmlns:a16="http://schemas.microsoft.com/office/drawing/2014/main" id="{D7EB25CA-DA83-483D-AF83-0001BDF2DE2B}"/>
-              </a:ext>
-            </a:extLst>
-          </p:cNvPr>
-          <p:cNvSpPr>
-            <a:spLocks noGrp="1"/>
-          </p:cNvSpPr>
-          <p:nvPr>
-            <p:ph type="body" sz="quarter" idx="17"/>
-          </p:nvPr>
-        </p:nvSpPr>
-        <p:spPr>
-          <a:xfrm>
-            <a:off x="4401535" y="1594478"/>
-            <a:ext cx="5539095" cy="1010842"/>
-          </a:xfrm>
-        </p:spPr>
-        <p:txBody>
-          <a:bodyPr/>
-          <a:lstStyle/>
-          <a:p>
-            <a:r>
-              <a:rPr lang="en-US" dirty="0"/>
-              <a:t>Few, if any, products on the market help customers like we do</a:t>
-            </a:r>
-          </a:p>
-          <a:p>
-            <a:endParaRPr lang="en-US" dirty="0"/>
-          </a:p>
-        </p:txBody>
-      </p:sp>
-      <p:sp>
-        <p:nvSpPr>
-          <p:cNvPr id="8" name="Text Placeholder 7">
-            <a:extLst>
-              <a:ext uri="{FF2B5EF4-FFF2-40B4-BE49-F238E27FC236}">
-                <a16:creationId xmlns:a16="http://schemas.microsoft.com/office/drawing/2014/main" id="{B46CE8C6-E12D-4A0D-8553-7FFA31941D56}"/>
-              </a:ext>
-            </a:extLst>
-          </p:cNvPr>
-          <p:cNvSpPr>
-            <a:spLocks noGrp="1"/>
-          </p:cNvSpPr>
-          <p:nvPr>
-            <p:ph type="body" sz="quarter" idx="18"/>
-          </p:nvPr>
-        </p:nvSpPr>
-        <p:spPr>
-          <a:xfrm>
-            <a:off x="4986028" y="2682564"/>
-            <a:ext cx="5539095" cy="1010842"/>
-          </a:xfrm>
-        </p:spPr>
-        <p:txBody>
-          <a:bodyPr/>
-          <a:lstStyle/>
-          <a:p>
-            <a:r>
-              <a:rPr lang="en-US" dirty="0"/>
-              <a:t>66% of US consumers spend money on multiple products that only partially resolves their issue</a:t>
-            </a:r>
-          </a:p>
-          <a:p>
-            <a:endParaRPr lang="en-US" dirty="0"/>
-          </a:p>
-        </p:txBody>
-      </p:sp>
-      <p:sp>
-        <p:nvSpPr>
-          <p:cNvPr id="9" name="Text Placeholder 8">
-            <a:extLst>
-              <a:ext uri="{FF2B5EF4-FFF2-40B4-BE49-F238E27FC236}">
-                <a16:creationId xmlns:a16="http://schemas.microsoft.com/office/drawing/2014/main" id="{1C7D5285-85DF-4331-A6FA-1AE847CA47AE}"/>
-              </a:ext>
-            </a:extLst>
-          </p:cNvPr>
-          <p:cNvSpPr>
-            <a:spLocks noGrp="1"/>
-          </p:cNvSpPr>
-          <p:nvPr>
-            <p:ph type="body" sz="quarter" idx="19"/>
-          </p:nvPr>
-        </p:nvSpPr>
-        <p:spPr>
-          <a:xfrm>
-            <a:off x="5576937" y="3755394"/>
-            <a:ext cx="5539095" cy="1010842"/>
-          </a:xfrm>
-        </p:spPr>
-        <p:txBody>
-          <a:bodyPr/>
-          <a:lstStyle/>
-          <a:p>
-            <a:r>
-              <a:rPr lang="en-US" dirty="0"/>
-              <a:t>Millennials account for about a quarter of the $48 billion spent on other products in 2018</a:t>
-            </a:r>
-          </a:p>
-          <a:p>
-            <a:endParaRPr lang="en-US" dirty="0"/>
-          </a:p>
-        </p:txBody>
-      </p:sp>
-      <p:sp>
-        <p:nvSpPr>
-          <p:cNvPr id="10" name="Text Placeholder 9">
-            <a:extLst>
-              <a:ext uri="{FF2B5EF4-FFF2-40B4-BE49-F238E27FC236}">
-                <a16:creationId xmlns:a16="http://schemas.microsoft.com/office/drawing/2014/main" id="{02D305EF-9A88-496B-BFC1-D589A01EE381}"/>
-              </a:ext>
-            </a:extLst>
-          </p:cNvPr>
-          <p:cNvSpPr>
-            <a:spLocks noGrp="1"/>
-          </p:cNvSpPr>
-          <p:nvPr>
-            <p:ph type="body" sz="quarter" idx="20"/>
-          </p:nvPr>
-        </p:nvSpPr>
-        <p:spPr>
-          <a:xfrm>
-            <a:off x="6175279" y="4824430"/>
-            <a:ext cx="5539095" cy="1010842"/>
-          </a:xfrm>
-        </p:spPr>
-        <p:txBody>
-          <a:bodyPr/>
-          <a:lstStyle/>
-          <a:p>
-            <a:r>
-              <a:rPr lang="en-US" dirty="0"/>
-              <a:t>Loss of productivity costing consumers thousands of dollars </a:t>
-            </a:r>
-          </a:p>
-          <a:p>
-            <a:endParaRPr lang="en-US" dirty="0"/>
-          </a:p>
-        </p:txBody>
-      </p:sp>
-      <p:sp>
-        <p:nvSpPr>
-          <p:cNvPr id="13" name="Slide Number Placeholder 12">
-            <a:extLst>
-              <a:ext uri="{FF2B5EF4-FFF2-40B4-BE49-F238E27FC236}">
-                <a16:creationId xmlns:a16="http://schemas.microsoft.com/office/drawing/2014/main" id="{E3984D70-BD95-4E1F-9725-902B5D74DED6}"/>
-              </a:ext>
-            </a:extLst>
-          </p:cNvPr>
-          <p:cNvSpPr>
-            <a:spLocks noGrp="1"/>
-          </p:cNvSpPr>
-          <p:nvPr>
-            <p:ph type="sldNum" sz="quarter" idx="12"/>
-          </p:nvPr>
-        </p:nvSpPr>
-        <p:spPr>
-          <a:xfrm>
-            <a:off x="10810874" y="6356350"/>
-            <a:ext cx="542925" cy="365125"/>
+              <a:t>BROWSING INFO</a:t>
+            </a:r>
+          </a:p>
+        </p:txBody>
+      </p:sp>
+      <p:sp>
+        <p:nvSpPr>
+          <p:cNvPr id="82" name="Slide Number Placeholder 81">
+            <a:extLst>
+              <a:ext uri="{FF2B5EF4-FFF2-40B4-BE49-F238E27FC236}">
+                <a16:creationId xmlns:a16="http://schemas.microsoft.com/office/drawing/2014/main" id="{CE36A058-BEC2-4BC5-A467-F2EB2A365051}"/>
+              </a:ext>
+            </a:extLst>
+          </p:cNvPr>
+          <p:cNvSpPr>
+            <a:spLocks noGrp="1"/>
+          </p:cNvSpPr>
+          <p:nvPr>
+            <p:ph type="sldNum" sz="quarter" idx="22"/>
+          </p:nvPr>
+        </p:nvSpPr>
+        <p:spPr>
+          <a:xfrm>
+            <a:off x="8610600" y="6356350"/>
+            <a:ext cx="2743200" cy="365125"/>
           </a:xfrm>
         </p:spPr>
         <p:txBody>
@@ -19292,10 +18775,149 @@
           </a:p>
         </p:txBody>
       </p:sp>
+      <p:sp>
+        <p:nvSpPr>
+          <p:cNvPr id="26" name="Text Placeholder 25">
+            <a:extLst>
+              <a:ext uri="{FF2B5EF4-FFF2-40B4-BE49-F238E27FC236}">
+                <a16:creationId xmlns:a16="http://schemas.microsoft.com/office/drawing/2014/main" id="{082E537C-79DD-DBC4-6A92-6948CE190037}"/>
+              </a:ext>
+            </a:extLst>
+          </p:cNvPr>
+          <p:cNvSpPr>
+            <a:spLocks noGrp="1"/>
+          </p:cNvSpPr>
+          <p:nvPr>
+            <p:ph type="body" sz="quarter" idx="24"/>
+          </p:nvPr>
+        </p:nvSpPr>
+        <p:spPr>
+          <a:xfrm>
+            <a:off x="359655" y="1752694"/>
+            <a:ext cx="3580047" cy="4122812"/>
+          </a:xfrm>
+        </p:spPr>
+        <p:txBody>
+          <a:bodyPr/>
+          <a:lstStyle/>
+          <a:p>
+            <a:pPr algn="l"/>
+            <a:r>
+              <a:rPr lang="en-US" dirty="0"/>
+              <a:t>The images here shows some important information regarding the dataset:</a:t>
+            </a:r>
+          </a:p>
+          <a:p>
+            <a:pPr marL="285750" indent="-285750" algn="l">
+              <a:buFont typeface="Arial" panose="020B0604020202020204" pitchFamily="34" charset="0"/>
+              <a:buChar char="•"/>
+            </a:pPr>
+            <a:r>
+              <a:rPr lang="en-IN" dirty="0"/>
+              <a:t>A total of 5104 entries</a:t>
+            </a:r>
+          </a:p>
+          <a:p>
+            <a:pPr marL="285750" indent="-285750" algn="l">
+              <a:buFont typeface="Arial" panose="020B0604020202020204" pitchFamily="34" charset="0"/>
+              <a:buChar char="•"/>
+            </a:pPr>
+            <a:r>
+              <a:rPr lang="en-IN" dirty="0"/>
+              <a:t>9 columns, of which 2 are int64 type</a:t>
+            </a:r>
+          </a:p>
+          <a:p>
+            <a:pPr marL="285750" indent="-285750" algn="l">
+              <a:buFont typeface="Arial" panose="020B0604020202020204" pitchFamily="34" charset="0"/>
+              <a:buChar char="•"/>
+            </a:pPr>
+            <a:r>
+              <a:rPr lang="en-IN" dirty="0"/>
+              <a:t>There are 53 missing or null values in ‘title’ column. These can be dropped.</a:t>
+            </a:r>
+          </a:p>
+          <a:p>
+            <a:pPr marL="285750" indent="-285750" algn="l">
+              <a:buFont typeface="Arial" panose="020B0604020202020204" pitchFamily="34" charset="0"/>
+              <a:buChar char="•"/>
+            </a:pPr>
+            <a:r>
+              <a:rPr lang="en-IN" dirty="0"/>
+              <a:t>Since the task is analysis, not predictive modelling, we have limited the number of pre-processing steps, to preserve data originality</a:t>
+            </a:r>
+            <a:r>
+              <a:rPr lang="en-US" dirty="0"/>
+              <a:t>.</a:t>
+            </a:r>
+            <a:endParaRPr lang="en-IN" dirty="0"/>
+          </a:p>
+        </p:txBody>
+      </p:sp>
+      <p:pic>
+        <p:nvPicPr>
+          <p:cNvPr id="34" name="Picture 33">
+            <a:extLst>
+              <a:ext uri="{FF2B5EF4-FFF2-40B4-BE49-F238E27FC236}">
+                <a16:creationId xmlns:a16="http://schemas.microsoft.com/office/drawing/2014/main" id="{A2346F4E-A65D-6425-4359-442725639E84}"/>
+              </a:ext>
+            </a:extLst>
+          </p:cNvPr>
+          <p:cNvPicPr>
+            <a:picLocks noChangeAspect="1"/>
+          </p:cNvPicPr>
+          <p:nvPr/>
+        </p:nvPicPr>
+        <p:blipFill>
+          <a:blip r:embed="rId2"/>
+          <a:stretch>
+            <a:fillRect/>
+          </a:stretch>
+        </p:blipFill>
+        <p:spPr>
+          <a:xfrm>
+            <a:off x="4149231" y="1636985"/>
+            <a:ext cx="4461369" cy="3584029"/>
+          </a:xfrm>
+          <a:prstGeom prst="rect">
+            <a:avLst/>
+          </a:prstGeom>
+        </p:spPr>
+      </p:pic>
+      <p:pic>
+        <p:nvPicPr>
+          <p:cNvPr id="36" name="Picture 35">
+            <a:extLst>
+              <a:ext uri="{FF2B5EF4-FFF2-40B4-BE49-F238E27FC236}">
+                <a16:creationId xmlns:a16="http://schemas.microsoft.com/office/drawing/2014/main" id="{DDACC058-3870-DE1C-7D6D-5B8254311F4E}"/>
+              </a:ext>
+            </a:extLst>
+          </p:cNvPr>
+          <p:cNvPicPr>
+            <a:picLocks noChangeAspect="1"/>
+          </p:cNvPicPr>
+          <p:nvPr/>
+        </p:nvPicPr>
+        <p:blipFill>
+          <a:blip r:embed="rId3"/>
+          <a:stretch>
+            <a:fillRect/>
+          </a:stretch>
+        </p:blipFill>
+        <p:spPr>
+          <a:xfrm>
+            <a:off x="8692452" y="1636985"/>
+            <a:ext cx="3221745" cy="3584030"/>
+          </a:xfrm>
+          <a:prstGeom prst="rect">
+            <a:avLst/>
+          </a:prstGeom>
+        </p:spPr>
+      </p:pic>
     </p:spTree>
     <p:extLst>
       <p:ext uri="{BB962C8B-B14F-4D97-AF65-F5344CB8AC3E}">
-        <p14:creationId xmlns:p14="http://schemas.microsoft.com/office/powerpoint/2010/main" val="1738561688"/>
+        <p14:creationId xmlns:p14="http://schemas.microsoft.com/office/powerpoint/2010/main" val="1593920805"/>
       </p:ext>
     </p:extLst>
   </p:cSld>
@@ -19340,27 +18962,133 @@
         </p:nvSpPr>
         <p:spPr>
           <a:xfrm>
-            <a:off x="1843271" y="136525"/>
-            <a:ext cx="8421688" cy="1325563"/>
+            <a:off x="846306" y="136525"/>
+            <a:ext cx="10505345" cy="1325563"/>
           </a:xfrm>
         </p:spPr>
         <p:txBody>
           <a:bodyPr/>
           <a:lstStyle/>
           <a:p>
+            <a:pPr algn="ctr"/>
             <a:r>
               <a:rPr lang="en-US" dirty="0"/>
-              <a:t>BROWSING INFO</a:t>
-            </a:r>
-          </a:p>
-        </p:txBody>
-      </p:sp>
-      <p:sp>
-        <p:nvSpPr>
-          <p:cNvPr id="82" name="Slide Number Placeholder 81">
-            <a:extLst>
-              <a:ext uri="{FF2B5EF4-FFF2-40B4-BE49-F238E27FC236}">
-                <a16:creationId xmlns:a16="http://schemas.microsoft.com/office/drawing/2014/main" id="{CE36A058-BEC2-4BC5-A467-F2EB2A365051}"/>
+              <a:t>PRE-PROCESSING</a:t>
+            </a:r>
+          </a:p>
+        </p:txBody>
+      </p:sp>
+      <p:sp>
+        <p:nvSpPr>
+          <p:cNvPr id="10" name="Text Placeholder 9">
+            <a:extLst>
+              <a:ext uri="{FF2B5EF4-FFF2-40B4-BE49-F238E27FC236}">
+                <a16:creationId xmlns:a16="http://schemas.microsoft.com/office/drawing/2014/main" id="{7F39C97C-2DDC-4706-B96C-B02FAE53A426}"/>
+              </a:ext>
+            </a:extLst>
+          </p:cNvPr>
+          <p:cNvSpPr>
+            <a:spLocks noGrp="1"/>
+          </p:cNvSpPr>
+          <p:nvPr>
+            <p:ph type="body" sz="quarter" idx="28"/>
+          </p:nvPr>
+        </p:nvSpPr>
+        <p:spPr>
+          <a:xfrm>
+            <a:off x="846306" y="1725584"/>
+            <a:ext cx="10505345" cy="3488441"/>
+          </a:xfrm>
+        </p:spPr>
+        <p:txBody>
+          <a:bodyPr>
+            <a:normAutofit/>
+          </a:bodyPr>
+          <a:lstStyle/>
+          <a:p>
+            <a:pPr marL="285750" indent="-285750">
+              <a:buFont typeface="Arial" panose="020B0604020202020204" pitchFamily="34" charset="0"/>
+              <a:buChar char="•"/>
+            </a:pPr>
+            <a:r>
+              <a:rPr lang="en-US" sz="2400" dirty="0"/>
+              <a:t>The only few pre-processing steps which have been performed here have been on the ‘</a:t>
+            </a:r>
+            <a:r>
+              <a:rPr lang="en-US" sz="2400" dirty="0" err="1"/>
+              <a:t>eventtimeutc</a:t>
+            </a:r>
+            <a:r>
+              <a:rPr lang="en-US" sz="2400" dirty="0"/>
+              <a:t>’ and ‘</a:t>
+            </a:r>
+            <a:r>
+              <a:rPr lang="en-US" sz="2400" dirty="0" err="1"/>
+              <a:t>url</a:t>
+            </a:r>
+            <a:r>
+              <a:rPr lang="en-US" sz="2400" dirty="0"/>
+              <a:t>’ columns of the original dataset.</a:t>
+            </a:r>
+          </a:p>
+          <a:p>
+            <a:pPr marL="285750" indent="-285750">
+              <a:buFont typeface="Arial" panose="020B0604020202020204" pitchFamily="34" charset="0"/>
+              <a:buChar char="•"/>
+            </a:pPr>
+            <a:r>
+              <a:rPr lang="en-US" sz="2400" dirty="0"/>
+              <a:t>The ‘</a:t>
+            </a:r>
+            <a:r>
+              <a:rPr lang="en-US" sz="2400" dirty="0" err="1"/>
+              <a:t>eventtimeutc</a:t>
+            </a:r>
+            <a:r>
+              <a:rPr lang="en-US" sz="2400" dirty="0"/>
+              <a:t>’ has been converted into Python recognizable data format, and new columns each for ‘hour’, ‘</a:t>
+            </a:r>
+            <a:r>
+              <a:rPr lang="en-US" sz="2400" dirty="0" err="1"/>
+              <a:t>day_of_week</a:t>
+            </a:r>
+            <a:r>
+              <a:rPr lang="en-US" sz="2400" dirty="0"/>
+              <a:t>’ and ‘date’, have been created.</a:t>
+            </a:r>
+          </a:p>
+          <a:p>
+            <a:pPr marL="285750" indent="-285750">
+              <a:buFont typeface="Arial" panose="020B0604020202020204" pitchFamily="34" charset="0"/>
+              <a:buChar char="•"/>
+            </a:pPr>
+            <a:r>
+              <a:rPr lang="en-US" sz="2400" dirty="0"/>
+              <a:t>A new column ‘domain’ was created store the domain names from the ‘</a:t>
+            </a:r>
+            <a:r>
+              <a:rPr lang="en-US" sz="2400" dirty="0" err="1"/>
+              <a:t>url</a:t>
+            </a:r>
+            <a:r>
+              <a:rPr lang="en-US" sz="2400" dirty="0"/>
+              <a:t>’ column.</a:t>
+            </a:r>
+          </a:p>
+          <a:p>
+            <a:endParaRPr lang="en-US" sz="2400" dirty="0"/>
+          </a:p>
+          <a:p>
+            <a:endParaRPr lang="en-US" sz="2400" dirty="0"/>
+          </a:p>
+        </p:txBody>
+      </p:sp>
+      <p:sp>
+        <p:nvSpPr>
+          <p:cNvPr id="22" name="Slide Number Placeholder 21">
+            <a:extLst>
+              <a:ext uri="{FF2B5EF4-FFF2-40B4-BE49-F238E27FC236}">
+                <a16:creationId xmlns:a16="http://schemas.microsoft.com/office/drawing/2014/main" id="{5D1BD041-3428-4D62-934F-F3FF6D36F90F}"/>
               </a:ext>
             </a:extLst>
           </p:cNvPr>
@@ -19373,8 +19101,8 @@
         </p:nvSpPr>
         <p:spPr>
           <a:xfrm>
-            <a:off x="8610600" y="6356350"/>
-            <a:ext cx="2743200" cy="365125"/>
+            <a:off x="10700656" y="6356350"/>
+            <a:ext cx="653143" cy="365125"/>
           </a:xfrm>
         </p:spPr>
         <p:txBody>
@@ -19385,349 +19113,6 @@
               <a:rPr lang="en-US" smtClean="0"/>
               <a:pPr/>
               <a:t>4</a:t>
-            </a:fld>
-            <a:endParaRPr lang="en-US" dirty="0"/>
-          </a:p>
-        </p:txBody>
-      </p:sp>
-      <p:sp>
-        <p:nvSpPr>
-          <p:cNvPr id="26" name="Text Placeholder 25">
-            <a:extLst>
-              <a:ext uri="{FF2B5EF4-FFF2-40B4-BE49-F238E27FC236}">
-                <a16:creationId xmlns:a16="http://schemas.microsoft.com/office/drawing/2014/main" id="{082E537C-79DD-DBC4-6A92-6948CE190037}"/>
-              </a:ext>
-            </a:extLst>
-          </p:cNvPr>
-          <p:cNvSpPr>
-            <a:spLocks noGrp="1"/>
-          </p:cNvSpPr>
-          <p:nvPr>
-            <p:ph type="body" sz="quarter" idx="24"/>
-          </p:nvPr>
-        </p:nvSpPr>
-        <p:spPr>
-          <a:xfrm>
-            <a:off x="359655" y="1752694"/>
-            <a:ext cx="3580047" cy="4122812"/>
-          </a:xfrm>
-        </p:spPr>
-        <p:txBody>
-          <a:bodyPr/>
-          <a:lstStyle/>
-          <a:p>
-            <a:pPr algn="l"/>
-            <a:r>
-              <a:rPr lang="en-US" dirty="0"/>
-              <a:t>The images here shows some important information regarding the dataset:</a:t>
-            </a:r>
-          </a:p>
-          <a:p>
-            <a:pPr marL="285750" indent="-285750" algn="l">
-              <a:buFont typeface="Arial" panose="020B0604020202020204" pitchFamily="34" charset="0"/>
-              <a:buChar char="•"/>
-            </a:pPr>
-            <a:r>
-              <a:rPr lang="en-IN" dirty="0"/>
-              <a:t>A total of 5104 entries</a:t>
-            </a:r>
-          </a:p>
-          <a:p>
-            <a:pPr marL="285750" indent="-285750" algn="l">
-              <a:buFont typeface="Arial" panose="020B0604020202020204" pitchFamily="34" charset="0"/>
-              <a:buChar char="•"/>
-            </a:pPr>
-            <a:r>
-              <a:rPr lang="en-IN" dirty="0"/>
-              <a:t>9 columns, of which 2 are int64 type</a:t>
-            </a:r>
-          </a:p>
-          <a:p>
-            <a:pPr marL="285750" indent="-285750" algn="l">
-              <a:buFont typeface="Arial" panose="020B0604020202020204" pitchFamily="34" charset="0"/>
-              <a:buChar char="•"/>
-            </a:pPr>
-            <a:r>
-              <a:rPr lang="en-IN" dirty="0"/>
-              <a:t>There are 53 missing or null values in ‘title’ column. These can be dropped.</a:t>
-            </a:r>
-          </a:p>
-          <a:p>
-            <a:pPr marL="285750" indent="-285750" algn="l">
-              <a:buFont typeface="Arial" panose="020B0604020202020204" pitchFamily="34" charset="0"/>
-              <a:buChar char="•"/>
-            </a:pPr>
-            <a:r>
-              <a:rPr lang="en-IN" dirty="0"/>
-              <a:t>Since the task is analysis, not predictive modelling, we have limited the number of pre-processing steps, to preserve data originality</a:t>
-            </a:r>
-            <a:r>
-              <a:rPr lang="en-US" dirty="0"/>
-              <a:t>.</a:t>
-            </a:r>
-            <a:endParaRPr lang="en-IN" dirty="0"/>
-          </a:p>
-        </p:txBody>
-      </p:sp>
-      <p:pic>
-        <p:nvPicPr>
-          <p:cNvPr id="34" name="Picture 33">
-            <a:extLst>
-              <a:ext uri="{FF2B5EF4-FFF2-40B4-BE49-F238E27FC236}">
-                <a16:creationId xmlns:a16="http://schemas.microsoft.com/office/drawing/2014/main" id="{A2346F4E-A65D-6425-4359-442725639E84}"/>
-              </a:ext>
-            </a:extLst>
-          </p:cNvPr>
-          <p:cNvPicPr>
-            <a:picLocks noChangeAspect="1"/>
-          </p:cNvPicPr>
-          <p:nvPr/>
-        </p:nvPicPr>
-        <p:blipFill>
-          <a:blip r:embed="rId2"/>
-          <a:stretch>
-            <a:fillRect/>
-          </a:stretch>
-        </p:blipFill>
-        <p:spPr>
-          <a:xfrm>
-            <a:off x="4149231" y="1636985"/>
-            <a:ext cx="4461369" cy="3584029"/>
-          </a:xfrm>
-          <a:prstGeom prst="rect">
-            <a:avLst/>
-          </a:prstGeom>
-        </p:spPr>
-      </p:pic>
-      <p:pic>
-        <p:nvPicPr>
-          <p:cNvPr id="36" name="Picture 35">
-            <a:extLst>
-              <a:ext uri="{FF2B5EF4-FFF2-40B4-BE49-F238E27FC236}">
-                <a16:creationId xmlns:a16="http://schemas.microsoft.com/office/drawing/2014/main" id="{DDACC058-3870-DE1C-7D6D-5B8254311F4E}"/>
-              </a:ext>
-            </a:extLst>
-          </p:cNvPr>
-          <p:cNvPicPr>
-            <a:picLocks noChangeAspect="1"/>
-          </p:cNvPicPr>
-          <p:nvPr/>
-        </p:nvPicPr>
-        <p:blipFill>
-          <a:blip r:embed="rId3"/>
-          <a:stretch>
-            <a:fillRect/>
-          </a:stretch>
-        </p:blipFill>
-        <p:spPr>
-          <a:xfrm>
-            <a:off x="8692452" y="1636985"/>
-            <a:ext cx="3221745" cy="3584030"/>
-          </a:xfrm>
-          <a:prstGeom prst="rect">
-            <a:avLst/>
-          </a:prstGeom>
-        </p:spPr>
-      </p:pic>
-    </p:spTree>
-    <p:extLst>
-      <p:ext uri="{BB962C8B-B14F-4D97-AF65-F5344CB8AC3E}">
-        <p14:creationId xmlns:p14="http://schemas.microsoft.com/office/powerpoint/2010/main" val="1593920805"/>
-      </p:ext>
-    </p:extLst>
-  </p:cSld>
-  <p:clrMapOvr>
-    <a:masterClrMapping/>
-  </p:clrMapOvr>
-</p:sld>
-</file>
-
-<file path=ppt/slides/slide5.xml><?xml version="1.0" encoding="utf-8"?>
-<p:sld xmlns:a="http://schemas.openxmlformats.org/drawingml/2006/main" xmlns:r="http://schemas.openxmlformats.org/officeDocument/2006/relationships" xmlns:p="http://schemas.openxmlformats.org/presentationml/2006/main">
-  <p:cSld>
-    <p:spTree>
-      <p:nvGrpSpPr>
-        <p:cNvPr id="1" name=""/>
-        <p:cNvGrpSpPr/>
-        <p:nvPr/>
-      </p:nvGrpSpPr>
-      <p:grpSpPr>
-        <a:xfrm>
-          <a:off x="0" y="0"/>
-          <a:ext cx="0" cy="0"/>
-          <a:chOff x="0" y="0"/>
-          <a:chExt cx="0" cy="0"/>
-        </a:xfrm>
-      </p:grpSpPr>
-      <p:sp>
-        <p:nvSpPr>
-          <p:cNvPr id="2" name="Title 1">
-            <a:extLst>
-              <a:ext uri="{FF2B5EF4-FFF2-40B4-BE49-F238E27FC236}">
-                <a16:creationId xmlns:a16="http://schemas.microsoft.com/office/drawing/2014/main" id="{75031FE9-9059-4FE8-B4AC-9771F23A1B89}"/>
-              </a:ext>
-            </a:extLst>
-          </p:cNvPr>
-          <p:cNvSpPr>
-            <a:spLocks noGrp="1"/>
-          </p:cNvSpPr>
-          <p:nvPr>
-            <p:ph type="title"/>
-          </p:nvPr>
-        </p:nvSpPr>
-        <p:spPr>
-          <a:xfrm>
-            <a:off x="846306" y="136525"/>
-            <a:ext cx="10505345" cy="1325563"/>
-          </a:xfrm>
-        </p:spPr>
-        <p:txBody>
-          <a:bodyPr/>
-          <a:lstStyle/>
-          <a:p>
-            <a:pPr algn="ctr"/>
-            <a:r>
-              <a:rPr lang="en-US" dirty="0"/>
-              <a:t>PRE-PROCESSING</a:t>
-            </a:r>
-          </a:p>
-        </p:txBody>
-      </p:sp>
-      <p:sp>
-        <p:nvSpPr>
-          <p:cNvPr id="10" name="Text Placeholder 9">
-            <a:extLst>
-              <a:ext uri="{FF2B5EF4-FFF2-40B4-BE49-F238E27FC236}">
-                <a16:creationId xmlns:a16="http://schemas.microsoft.com/office/drawing/2014/main" id="{7F39C97C-2DDC-4706-B96C-B02FAE53A426}"/>
-              </a:ext>
-            </a:extLst>
-          </p:cNvPr>
-          <p:cNvSpPr>
-            <a:spLocks noGrp="1"/>
-          </p:cNvSpPr>
-          <p:nvPr>
-            <p:ph type="body" sz="quarter" idx="28"/>
-          </p:nvPr>
-        </p:nvSpPr>
-        <p:spPr>
-          <a:xfrm>
-            <a:off x="846306" y="1725584"/>
-            <a:ext cx="10505345" cy="3488441"/>
-          </a:xfrm>
-        </p:spPr>
-        <p:txBody>
-          <a:bodyPr>
-            <a:normAutofit/>
-          </a:bodyPr>
-          <a:lstStyle/>
-          <a:p>
-            <a:pPr marL="285750" indent="-285750">
-              <a:buFont typeface="Arial" panose="020B0604020202020204" pitchFamily="34" charset="0"/>
-              <a:buChar char="•"/>
-            </a:pPr>
-            <a:r>
-              <a:rPr lang="en-US" sz="2400" dirty="0"/>
-              <a:t>The only few pre-processing steps which have been performed here have been on the ‘</a:t>
-            </a:r>
-            <a:r>
-              <a:rPr lang="en-US" sz="2400" dirty="0" err="1"/>
-              <a:t>eventtimeutc</a:t>
-            </a:r>
-            <a:r>
-              <a:rPr lang="en-US" sz="2400" dirty="0"/>
-              <a:t>’ and ‘</a:t>
-            </a:r>
-            <a:r>
-              <a:rPr lang="en-US" sz="2400" dirty="0" err="1"/>
-              <a:t>url</a:t>
-            </a:r>
-            <a:r>
-              <a:rPr lang="en-US" sz="2400" dirty="0"/>
-              <a:t>’ columns of the original dataset.</a:t>
-            </a:r>
-          </a:p>
-          <a:p>
-            <a:pPr marL="285750" indent="-285750">
-              <a:buFont typeface="Arial" panose="020B0604020202020204" pitchFamily="34" charset="0"/>
-              <a:buChar char="•"/>
-            </a:pPr>
-            <a:r>
-              <a:rPr lang="en-US" sz="2400" dirty="0"/>
-              <a:t>The ‘</a:t>
-            </a:r>
-            <a:r>
-              <a:rPr lang="en-US" sz="2400" dirty="0" err="1"/>
-              <a:t>eventtimeutc</a:t>
-            </a:r>
-            <a:r>
-              <a:rPr lang="en-US" sz="2400" dirty="0"/>
-              <a:t>’ has been converted into Python recognizable data format, and new columns each for ‘hour’, ‘</a:t>
-            </a:r>
-            <a:r>
-              <a:rPr lang="en-US" sz="2400" dirty="0" err="1"/>
-              <a:t>day_of_week</a:t>
-            </a:r>
-            <a:r>
-              <a:rPr lang="en-US" sz="2400" dirty="0"/>
-              <a:t>’ and ‘date’, have been created.</a:t>
-            </a:r>
-          </a:p>
-          <a:p>
-            <a:pPr marL="285750" indent="-285750">
-              <a:buFont typeface="Arial" panose="020B0604020202020204" pitchFamily="34" charset="0"/>
-              <a:buChar char="•"/>
-            </a:pPr>
-            <a:r>
-              <a:rPr lang="en-US" sz="2400" dirty="0"/>
-              <a:t>A new column ‘domain’ was created store the domain names from the ‘</a:t>
-            </a:r>
-            <a:r>
-              <a:rPr lang="en-US" sz="2400" dirty="0" err="1"/>
-              <a:t>url</a:t>
-            </a:r>
-            <a:r>
-              <a:rPr lang="en-US" sz="2400" dirty="0"/>
-              <a:t>’ column.</a:t>
-            </a:r>
-          </a:p>
-          <a:p>
-            <a:endParaRPr lang="en-US" sz="2400" dirty="0"/>
-          </a:p>
-          <a:p>
-            <a:endParaRPr lang="en-US" sz="2400" dirty="0"/>
-          </a:p>
-        </p:txBody>
-      </p:sp>
-      <p:sp>
-        <p:nvSpPr>
-          <p:cNvPr id="22" name="Slide Number Placeholder 21">
-            <a:extLst>
-              <a:ext uri="{FF2B5EF4-FFF2-40B4-BE49-F238E27FC236}">
-                <a16:creationId xmlns:a16="http://schemas.microsoft.com/office/drawing/2014/main" id="{5D1BD041-3428-4D62-934F-F3FF6D36F90F}"/>
-              </a:ext>
-            </a:extLst>
-          </p:cNvPr>
-          <p:cNvSpPr>
-            <a:spLocks noGrp="1"/>
-          </p:cNvSpPr>
-          <p:nvPr>
-            <p:ph type="sldNum" sz="quarter" idx="22"/>
-          </p:nvPr>
-        </p:nvSpPr>
-        <p:spPr>
-          <a:xfrm>
-            <a:off x="10700656" y="6356350"/>
-            <a:ext cx="653143" cy="365125"/>
-          </a:xfrm>
-        </p:spPr>
-        <p:txBody>
-          <a:bodyPr/>
-          <a:lstStyle/>
-          <a:p>
-            <a:fld id="{B5CEABB6-07DC-46E8-9B57-56EC44A396E5}" type="slidenum">
-              <a:rPr lang="en-US" smtClean="0"/>
-              <a:pPr/>
-              <a:t>5</a:t>
             </a:fld>
             <a:endParaRPr lang="en-US" dirty="0"/>
           </a:p>
@@ -19746,7 +19131,7 @@
 </p:sld>
 </file>
 
-<file path=ppt/slides/slide6.xml><?xml version="1.0" encoding="utf-8"?>
+<file path=ppt/slides/slide5.xml><?xml version="1.0" encoding="utf-8"?>
 <p:sld xmlns:a="http://schemas.openxmlformats.org/drawingml/2006/main" xmlns:r="http://schemas.openxmlformats.org/officeDocument/2006/relationships" xmlns:p="http://schemas.openxmlformats.org/presentationml/2006/main">
   <p:cSld>
     <p:spTree>
@@ -19797,10 +19182,9 @@
           <a:p>
             <a:pPr algn="ctr"/>
             <a:r>
-              <a:rPr lang="en-US" dirty="0" err="1"/>
-              <a:t>ViSUALIZATIONS</a:t>
-            </a:r>
-            <a:endParaRPr lang="en-US" dirty="0"/>
+              <a:rPr lang="en-US" dirty="0"/>
+              <a:t>Visualizations</a:t>
+            </a:r>
           </a:p>
         </p:txBody>
       </p:sp>
@@ -19873,7 +19257,7 @@
             <a:fld id="{B5CEABB6-07DC-46E8-9B57-56EC44A396E5}" type="slidenum">
               <a:rPr lang="en-US" smtClean="0"/>
               <a:pPr/>
-              <a:t>6</a:t>
+              <a:t>5</a:t>
             </a:fld>
             <a:endParaRPr lang="en-US" dirty="0"/>
           </a:p>
@@ -19892,7 +19276,7 @@
 </p:sld>
 </file>
 
-<file path=ppt/slides/slide7.xml><?xml version="1.0" encoding="utf-8"?>
+<file path=ppt/slides/slide6.xml><?xml version="1.0" encoding="utf-8"?>
 <p:sld xmlns:a="http://schemas.openxmlformats.org/drawingml/2006/main" xmlns:r="http://schemas.openxmlformats.org/officeDocument/2006/relationships" xmlns:p="http://schemas.openxmlformats.org/presentationml/2006/main">
   <p:cSld>
     <p:spTree>
@@ -19978,7 +19362,7 @@
             <a:fld id="{B5CEABB6-07DC-46E8-9B57-56EC44A396E5}" type="slidenum">
               <a:rPr lang="en-US" smtClean="0"/>
               <a:pPr/>
-              <a:t>7</a:t>
+              <a:t>6</a:t>
             </a:fld>
             <a:endParaRPr lang="en-US" dirty="0"/>
           </a:p>
@@ -20027,7 +19411,7 @@
 </p:sld>
 </file>
 
-<file path=ppt/slides/slide8.xml><?xml version="1.0" encoding="utf-8"?>
+<file path=ppt/slides/slide7.xml><?xml version="1.0" encoding="utf-8"?>
 <p:sld xmlns:a="http://schemas.openxmlformats.org/drawingml/2006/main" xmlns:r="http://schemas.openxmlformats.org/officeDocument/2006/relationships" xmlns:p="http://schemas.openxmlformats.org/presentationml/2006/main">
   <p:cSld>
     <p:spTree>
@@ -20113,7 +19497,7 @@
             <a:fld id="{B5CEABB6-07DC-46E8-9B57-56EC44A396E5}" type="slidenum">
               <a:rPr lang="en-US" smtClean="0"/>
               <a:pPr/>
-              <a:t>8</a:t>
+              <a:t>7</a:t>
             </a:fld>
             <a:endParaRPr lang="en-US" dirty="0"/>
           </a:p>
@@ -20162,7 +19546,7 @@
 </p:sld>
 </file>
 
-<file path=ppt/slides/slide9.xml><?xml version="1.0" encoding="utf-8"?>
+<file path=ppt/slides/slide8.xml><?xml version="1.0" encoding="utf-8"?>
 <p:sld xmlns:a="http://schemas.openxmlformats.org/drawingml/2006/main" xmlns:r="http://schemas.openxmlformats.org/officeDocument/2006/relationships" xmlns:p="http://schemas.openxmlformats.org/presentationml/2006/main">
   <p:cSld>
     <p:spTree>
@@ -20248,7 +19632,7 @@
             <a:fld id="{B5CEABB6-07DC-46E8-9B57-56EC44A396E5}" type="slidenum">
               <a:rPr lang="en-US" smtClean="0"/>
               <a:pPr/>
-              <a:t>9</a:t>
+              <a:t>8</a:t>
             </a:fld>
             <a:endParaRPr lang="en-US" dirty="0"/>
           </a:p>
@@ -20288,6 +19672,141 @@
     <p:extLst>
       <p:ext uri="{BB962C8B-B14F-4D97-AF65-F5344CB8AC3E}">
         <p14:creationId xmlns:p14="http://schemas.microsoft.com/office/powerpoint/2010/main" val="703012632"/>
+      </p:ext>
+    </p:extLst>
+  </p:cSld>
+  <p:clrMapOvr>
+    <a:masterClrMapping/>
+  </p:clrMapOvr>
+</p:sld>
+</file>
+
+<file path=ppt/slides/slide9.xml><?xml version="1.0" encoding="utf-8"?>
+<p:sld xmlns:a="http://schemas.openxmlformats.org/drawingml/2006/main" xmlns:r="http://schemas.openxmlformats.org/officeDocument/2006/relationships" xmlns:p="http://schemas.openxmlformats.org/presentationml/2006/main">
+  <p:cSld>
+    <p:spTree>
+      <p:nvGrpSpPr>
+        <p:cNvPr id="1" name="">
+          <a:extLst>
+            <a:ext uri="{FF2B5EF4-FFF2-40B4-BE49-F238E27FC236}">
+              <a16:creationId xmlns:a16="http://schemas.microsoft.com/office/drawing/2014/main" id="{A2E52B3D-7AF6-8D6E-E3B0-54F715DB63A5}"/>
+            </a:ext>
+          </a:extLst>
+        </p:cNvPr>
+        <p:cNvGrpSpPr/>
+        <p:nvPr/>
+      </p:nvGrpSpPr>
+      <p:grpSpPr>
+        <a:xfrm>
+          <a:off x="0" y="0"/>
+          <a:ext cx="0" cy="0"/>
+          <a:chOff x="0" y="0"/>
+          <a:chExt cx="0" cy="0"/>
+        </a:xfrm>
+      </p:grpSpPr>
+      <p:sp>
+        <p:nvSpPr>
+          <p:cNvPr id="2" name="Title 1">
+            <a:extLst>
+              <a:ext uri="{FF2B5EF4-FFF2-40B4-BE49-F238E27FC236}">
+                <a16:creationId xmlns:a16="http://schemas.microsoft.com/office/drawing/2014/main" id="{5C54A8B9-900D-102A-3DF0-DC5B89DEEE30}"/>
+              </a:ext>
+            </a:extLst>
+          </p:cNvPr>
+          <p:cNvSpPr>
+            <a:spLocks noGrp="1"/>
+          </p:cNvSpPr>
+          <p:nvPr>
+            <p:ph type="title"/>
+          </p:nvPr>
+        </p:nvSpPr>
+        <p:spPr>
+          <a:xfrm>
+            <a:off x="843327" y="-320675"/>
+            <a:ext cx="10505345" cy="1325563"/>
+          </a:xfrm>
+        </p:spPr>
+        <p:txBody>
+          <a:bodyPr/>
+          <a:lstStyle/>
+          <a:p>
+            <a:pPr algn="ctr"/>
+            <a:r>
+              <a:rPr lang="en-US" dirty="0"/>
+              <a:t>Visualizations</a:t>
+            </a:r>
+          </a:p>
+        </p:txBody>
+      </p:sp>
+      <p:sp>
+        <p:nvSpPr>
+          <p:cNvPr id="22" name="Slide Number Placeholder 21">
+            <a:extLst>
+              <a:ext uri="{FF2B5EF4-FFF2-40B4-BE49-F238E27FC236}">
+                <a16:creationId xmlns:a16="http://schemas.microsoft.com/office/drawing/2014/main" id="{4C7DB5CA-35A9-7CFB-1F48-9836D95C6ED8}"/>
+              </a:ext>
+            </a:extLst>
+          </p:cNvPr>
+          <p:cNvSpPr>
+            <a:spLocks noGrp="1"/>
+          </p:cNvSpPr>
+          <p:nvPr>
+            <p:ph type="sldNum" sz="quarter" idx="22"/>
+          </p:nvPr>
+        </p:nvSpPr>
+        <p:spPr>
+          <a:xfrm>
+            <a:off x="10700656" y="6356350"/>
+            <a:ext cx="653143" cy="365125"/>
+          </a:xfrm>
+        </p:spPr>
+        <p:txBody>
+          <a:bodyPr/>
+          <a:lstStyle/>
+          <a:p>
+            <a:fld id="{B5CEABB6-07DC-46E8-9B57-56EC44A396E5}" type="slidenum">
+              <a:rPr lang="en-US" smtClean="0"/>
+              <a:pPr/>
+              <a:t>9</a:t>
+            </a:fld>
+            <a:endParaRPr lang="en-US" dirty="0"/>
+          </a:p>
+        </p:txBody>
+      </p:sp>
+      <p:pic>
+        <p:nvPicPr>
+          <p:cNvPr id="4" name="Picture 3">
+            <a:extLst>
+              <a:ext uri="{FF2B5EF4-FFF2-40B4-BE49-F238E27FC236}">
+                <a16:creationId xmlns:a16="http://schemas.microsoft.com/office/drawing/2014/main" id="{E60E41A1-649B-5523-7E40-059074662CED}"/>
+              </a:ext>
+            </a:extLst>
+          </p:cNvPr>
+          <p:cNvPicPr>
+            <a:picLocks noChangeAspect="1"/>
+          </p:cNvPicPr>
+          <p:nvPr/>
+        </p:nvPicPr>
+        <p:blipFill>
+          <a:blip r:embed="rId2"/>
+          <a:stretch>
+            <a:fillRect/>
+          </a:stretch>
+        </p:blipFill>
+        <p:spPr>
+          <a:xfrm>
+            <a:off x="1757615" y="1186087"/>
+            <a:ext cx="8676768" cy="4848000"/>
+          </a:xfrm>
+          <a:prstGeom prst="rect">
+            <a:avLst/>
+          </a:prstGeom>
+        </p:spPr>
+      </p:pic>
+    </p:spTree>
+    <p:extLst>
+      <p:ext uri="{BB962C8B-B14F-4D97-AF65-F5344CB8AC3E}">
+        <p14:creationId xmlns:p14="http://schemas.microsoft.com/office/powerpoint/2010/main" val="3402426677"/>
       </p:ext>
     </p:extLst>
   </p:cSld>
